--- a/project_plan.pptx
+++ b/project_plan.pptx
@@ -8,6 +8,9 @@
     <p:sldId id="256" r:id="rId2"/>
     <p:sldId id="257" r:id="rId3"/>
     <p:sldId id="258" r:id="rId4"/>
+    <p:sldId id="259" r:id="rId5"/>
+    <p:sldId id="260" r:id="rId6"/>
+    <p:sldId id="261" r:id="rId7"/>
   </p:sldIdLst>
   <p:sldSz cx="12192000" cy="6858000"/>
   <p:notesSz cx="6858000" cy="9144000"/>
@@ -3264,7 +3267,7 @@
         <p:spPr>
           <a:xfrm>
             <a:off x="838200" y="1825624"/>
-            <a:ext cx="10515600" cy="4688191"/>
+            <a:ext cx="10515600" cy="5032376"/>
           </a:xfrm>
         </p:spPr>
         <p:txBody>
@@ -3342,7 +3345,10 @@
               <a:rPr lang="en-US" dirty="0" err="1" smtClean="0"/>
               <a:t>Deduplicate</a:t>
             </a:r>
-            <a:endParaRPr lang="en-US" dirty="0" smtClean="0"/>
+            <a:r>
+              <a:rPr lang="en-US" dirty="0" smtClean="0"/>
+              <a:t> </a:t>
+            </a:r>
           </a:p>
           <a:p>
             <a:pPr marL="1371600" lvl="2" indent="-457200">
@@ -3447,7 +3453,7 @@
             </a:pPr>
             <a:r>
               <a:rPr lang="en-US" dirty="0" smtClean="0"/>
-              <a:t>Down Sampling</a:t>
+              <a:t>Down Sampling Activity Data</a:t>
             </a:r>
           </a:p>
           <a:p>
@@ -3489,7 +3495,7 @@
             </a:pPr>
             <a:r>
               <a:rPr lang="en-US" dirty="0" smtClean="0"/>
-              <a:t>If in set, keep</a:t>
+              <a:t>If in churn user set, keep</a:t>
             </a:r>
           </a:p>
           <a:p>
@@ -3509,7 +3515,7 @@
             </a:pPr>
             <a:r>
               <a:rPr lang="en-US" dirty="0" smtClean="0"/>
-              <a:t>Good user down sampled train set: </a:t>
+              <a:t>Good user down sampled raw train set: </a:t>
             </a:r>
             <a:r>
               <a:rPr lang="en-US" dirty="0" err="1" smtClean="0"/>
@@ -3517,15 +3523,65 @@
             </a:r>
             <a:r>
               <a:rPr lang="en-US" dirty="0" smtClean="0"/>
-              <a:t>, </a:t>
-            </a:r>
-            <a:r>
-              <a:rPr lang="en-US" smtClean="0"/>
-              <a:t>user activities, </a:t>
-            </a:r>
-            <a:r>
-              <a:rPr lang="en-US" dirty="0" smtClean="0"/>
-              <a:t>label</a:t>
+              <a:t>, user activities, label</a:t>
+            </a:r>
+          </a:p>
+          <a:p>
+            <a:pPr lvl="2">
+              <a:buFont typeface="Arial" charset="0"/>
+              <a:buChar char="•"/>
+            </a:pPr>
+            <a:r>
+              <a:rPr lang="en-US" dirty="0" smtClean="0"/>
+              <a:t>Sampling on </a:t>
+            </a:r>
+            <a:r>
+              <a:rPr lang="en-US" dirty="0" err="1" smtClean="0"/>
+              <a:t>uid</a:t>
+            </a:r>
+            <a:r>
+              <a:rPr lang="en-US" dirty="0" smtClean="0"/>
+              <a:t> level, not record level</a:t>
+            </a:r>
+          </a:p>
+          <a:p>
+            <a:pPr lvl="3">
+              <a:buFont typeface="Arial" charset="0"/>
+              <a:buChar char="•"/>
+            </a:pPr>
+            <a:r>
+              <a:rPr lang="en-US" dirty="0" err="1" smtClean="0"/>
+              <a:t>Downsample</a:t>
+            </a:r>
+            <a:r>
+              <a:rPr lang="en-US" dirty="0" smtClean="0"/>
+              <a:t> </a:t>
+            </a:r>
+            <a:r>
+              <a:rPr lang="en-US" dirty="0" err="1" smtClean="0"/>
+              <a:t>uid</a:t>
+            </a:r>
+            <a:r>
+              <a:rPr lang="en-US" dirty="0" smtClean="0"/>
+              <a:t> (good users), keep good </a:t>
+            </a:r>
+            <a:r>
+              <a:rPr lang="en-US" dirty="0" err="1" smtClean="0"/>
+              <a:t>uid</a:t>
+            </a:r>
+            <a:r>
+              <a:rPr lang="en-US" dirty="0" smtClean="0"/>
+              <a:t> hash, look up for every row, in set keep.</a:t>
+            </a:r>
+          </a:p>
+          <a:p>
+            <a:pPr lvl="2">
+              <a:buFont typeface="Arial" charset="0"/>
+              <a:buChar char="•"/>
+            </a:pPr>
+            <a:r>
+              <a:rPr lang="en-US" dirty="0" smtClean="0"/>
+              <a:t>10x, 100x</a:t>
             </a:r>
           </a:p>
           <a:p>
@@ -3549,6 +3605,460 @@
     <p:extLst>
       <p:ext uri="{BB962C8B-B14F-4D97-AF65-F5344CB8AC3E}">
         <p14:creationId xmlns:p14="http://schemas.microsoft.com/office/powerpoint/2010/main" val="993658174"/>
+      </p:ext>
+    </p:extLst>
+  </p:cSld>
+  <p:clrMapOvr>
+    <a:masterClrMapping/>
+  </p:clrMapOvr>
+</p:sld>
+</file>
+
+<file path=ppt/slides/slide4.xml><?xml version="1.0" encoding="utf-8"?>
+<p:sld xmlns:a="http://schemas.openxmlformats.org/drawingml/2006/main" xmlns:r="http://schemas.openxmlformats.org/officeDocument/2006/relationships" xmlns:p="http://schemas.openxmlformats.org/presentationml/2006/main">
+  <p:cSld>
+    <p:spTree>
+      <p:nvGrpSpPr>
+        <p:cNvPr id="1" name=""/>
+        <p:cNvGrpSpPr/>
+        <p:nvPr/>
+      </p:nvGrpSpPr>
+      <p:grpSpPr>
+        <a:xfrm>
+          <a:off x="0" y="0"/>
+          <a:ext cx="0" cy="0"/>
+          <a:chOff x="0" y="0"/>
+          <a:chExt cx="0" cy="0"/>
+        </a:xfrm>
+      </p:grpSpPr>
+      <p:sp>
+        <p:nvSpPr>
+          <p:cNvPr id="2" name="Title 1"/>
+          <p:cNvSpPr>
+            <a:spLocks noGrp="1"/>
+          </p:cNvSpPr>
+          <p:nvPr>
+            <p:ph type="title"/>
+          </p:nvPr>
+        </p:nvSpPr>
+        <p:spPr/>
+        <p:txBody>
+          <a:bodyPr/>
+          <a:lstStyle/>
+          <a:p>
+            <a:r>
+              <a:rPr lang="en-US" dirty="0" smtClean="0"/>
+              <a:t>Feature Creation </a:t>
+            </a:r>
+            <a:r>
+              <a:rPr lang="mr-IN" dirty="0" smtClean="0"/>
+              <a:t>–</a:t>
+            </a:r>
+            <a:r>
+              <a:rPr lang="en-US" dirty="0" smtClean="0"/>
+              <a:t> User Activities</a:t>
+            </a:r>
+            <a:endParaRPr lang="en-US" dirty="0"/>
+          </a:p>
+        </p:txBody>
+      </p:sp>
+      <p:sp>
+        <p:nvSpPr>
+          <p:cNvPr id="3" name="Content Placeholder 2"/>
+          <p:cNvSpPr>
+            <a:spLocks noGrp="1"/>
+          </p:cNvSpPr>
+          <p:nvPr>
+            <p:ph idx="1"/>
+          </p:nvPr>
+        </p:nvSpPr>
+        <p:spPr>
+          <a:xfrm>
+            <a:off x="838200" y="1825625"/>
+            <a:ext cx="10515600" cy="4873126"/>
+          </a:xfrm>
+        </p:spPr>
+        <p:txBody>
+          <a:bodyPr>
+            <a:normAutofit fontScale="92500" lnSpcReduction="10000"/>
+          </a:bodyPr>
+          <a:lstStyle/>
+          <a:p>
+            <a:r>
+              <a:rPr lang="en-US" dirty="0" smtClean="0"/>
+              <a:t>Count by time window (Velocity)</a:t>
+            </a:r>
+          </a:p>
+          <a:p>
+            <a:pPr lvl="1"/>
+            <a:r>
+              <a:rPr lang="en-US" dirty="0" smtClean="0"/>
+              <a:t>Activity type (3):</a:t>
+            </a:r>
+          </a:p>
+          <a:p>
+            <a:pPr lvl="2"/>
+            <a:r>
+              <a:rPr lang="en-US" dirty="0" smtClean="0"/>
+              <a:t>Play, down, search</a:t>
+            </a:r>
+          </a:p>
+          <a:p>
+            <a:pPr lvl="1"/>
+            <a:r>
+              <a:rPr lang="en-US" dirty="0" smtClean="0"/>
+              <a:t>Last x days (6)</a:t>
+            </a:r>
+          </a:p>
+          <a:p>
+            <a:pPr lvl="2"/>
+            <a:r>
+              <a:rPr lang="en-US" dirty="0" smtClean="0"/>
+              <a:t>1, 3, 7, 14, 30 ,60 (inclusive/</a:t>
+            </a:r>
+            <a:r>
+              <a:rPr lang="en-US" dirty="0" err="1" smtClean="0"/>
+              <a:t>exlusive</a:t>
+            </a:r>
+            <a:r>
+              <a:rPr lang="en-US" dirty="0" smtClean="0"/>
+              <a:t> e.g. 1, 2-3,4-7 </a:t>
+            </a:r>
+            <a:r>
+              <a:rPr lang="mr-IN" dirty="0" smtClean="0"/>
+              <a:t>…</a:t>
+            </a:r>
+            <a:r>
+              <a:rPr lang="en-US" dirty="0" smtClean="0"/>
+              <a:t>.)</a:t>
+            </a:r>
+          </a:p>
+          <a:p>
+            <a:pPr lvl="1"/>
+            <a:r>
+              <a:rPr lang="en-US" dirty="0" smtClean="0"/>
+              <a:t>18 features</a:t>
+            </a:r>
+          </a:p>
+          <a:p>
+            <a:r>
+              <a:rPr lang="en-US" dirty="0" smtClean="0"/>
+              <a:t>Ratios (de/acceleration)</a:t>
+            </a:r>
+          </a:p>
+          <a:p>
+            <a:pPr lvl="1"/>
+            <a:r>
+              <a:rPr lang="en-US" dirty="0" smtClean="0"/>
+              <a:t>Ratio of different time window: e.g. </a:t>
+            </a:r>
+          </a:p>
+          <a:p>
+            <a:pPr lvl="2"/>
+            <a:r>
+              <a:rPr lang="en-US" dirty="0" smtClean="0"/>
+              <a:t>play_1d_ov_7d, </a:t>
+            </a:r>
+          </a:p>
+          <a:p>
+            <a:pPr lvl="2"/>
+            <a:r>
+              <a:rPr lang="en-US" dirty="0" smtClean="0"/>
+              <a:t>play_1d_ov_down_1d</a:t>
+            </a:r>
+          </a:p>
+          <a:p>
+            <a:pPr lvl="2"/>
+            <a:r>
+              <a:rPr lang="en-US" dirty="0" smtClean="0"/>
+              <a:t>play_1d_ov_down_7d </a:t>
+            </a:r>
+            <a:r>
+              <a:rPr lang="mr-IN" dirty="0" smtClean="0"/>
+              <a:t>…</a:t>
+            </a:r>
+            <a:endParaRPr lang="en-US" dirty="0" smtClean="0"/>
+          </a:p>
+          <a:p>
+            <a:r>
+              <a:rPr lang="en-US" dirty="0" smtClean="0"/>
+              <a:t>Add granularity</a:t>
+            </a:r>
+          </a:p>
+          <a:p>
+            <a:pPr lvl="1"/>
+            <a:r>
+              <a:rPr lang="en-US" dirty="0" smtClean="0"/>
+              <a:t>Counts and Ratios + Song genre</a:t>
+            </a:r>
+          </a:p>
+          <a:p>
+            <a:pPr lvl="2"/>
+            <a:r>
+              <a:rPr lang="en-US" dirty="0" smtClean="0"/>
+              <a:t>E.g. (Rock)_play_1d_ov_down_1d</a:t>
+            </a:r>
+            <a:endParaRPr lang="en-US" dirty="0"/>
+          </a:p>
+          <a:p>
+            <a:pPr lvl="2"/>
+            <a:endParaRPr lang="en-US" dirty="0"/>
+          </a:p>
+          <a:p>
+            <a:pPr lvl="2"/>
+            <a:endParaRPr lang="en-US" dirty="0" smtClean="0"/>
+          </a:p>
+          <a:p>
+            <a:pPr lvl="1"/>
+            <a:endParaRPr lang="en-US" dirty="0" smtClean="0"/>
+          </a:p>
+          <a:p>
+            <a:endParaRPr lang="en-US" dirty="0"/>
+          </a:p>
+        </p:txBody>
+      </p:sp>
+    </p:spTree>
+    <p:extLst>
+      <p:ext uri="{BB962C8B-B14F-4D97-AF65-F5344CB8AC3E}">
+        <p14:creationId xmlns:p14="http://schemas.microsoft.com/office/powerpoint/2010/main" val="337184565"/>
+      </p:ext>
+    </p:extLst>
+  </p:cSld>
+  <p:clrMapOvr>
+    <a:masterClrMapping/>
+  </p:clrMapOvr>
+</p:sld>
+</file>
+
+<file path=ppt/slides/slide5.xml><?xml version="1.0" encoding="utf-8"?>
+<p:sld xmlns:a="http://schemas.openxmlformats.org/drawingml/2006/main" xmlns:r="http://schemas.openxmlformats.org/officeDocument/2006/relationships" xmlns:p="http://schemas.openxmlformats.org/presentationml/2006/main">
+  <p:cSld>
+    <p:spTree>
+      <p:nvGrpSpPr>
+        <p:cNvPr id="1" name=""/>
+        <p:cNvGrpSpPr/>
+        <p:nvPr/>
+      </p:nvGrpSpPr>
+      <p:grpSpPr>
+        <a:xfrm>
+          <a:off x="0" y="0"/>
+          <a:ext cx="0" cy="0"/>
+          <a:chOff x="0" y="0"/>
+          <a:chExt cx="0" cy="0"/>
+        </a:xfrm>
+      </p:grpSpPr>
+      <p:sp>
+        <p:nvSpPr>
+          <p:cNvPr id="2" name="Title 1"/>
+          <p:cNvSpPr>
+            <a:spLocks noGrp="1"/>
+          </p:cNvSpPr>
+          <p:nvPr>
+            <p:ph type="title"/>
+          </p:nvPr>
+        </p:nvSpPr>
+        <p:spPr/>
+        <p:txBody>
+          <a:bodyPr/>
+          <a:lstStyle/>
+          <a:p>
+            <a:r>
+              <a:rPr lang="en-US" dirty="0"/>
+              <a:t>Feature Creation </a:t>
+            </a:r>
+            <a:r>
+              <a:rPr lang="mr-IN" dirty="0" smtClean="0"/>
+              <a:t>–</a:t>
+            </a:r>
+            <a:r>
+              <a:rPr lang="en-US" dirty="0" smtClean="0"/>
+              <a:t> User Profile</a:t>
+            </a:r>
+            <a:endParaRPr lang="en-US" dirty="0"/>
+          </a:p>
+        </p:txBody>
+      </p:sp>
+      <p:sp>
+        <p:nvSpPr>
+          <p:cNvPr id="3" name="Content Placeholder 2"/>
+          <p:cNvSpPr>
+            <a:spLocks noGrp="1"/>
+          </p:cNvSpPr>
+          <p:nvPr>
+            <p:ph idx="1"/>
+          </p:nvPr>
+        </p:nvSpPr>
+        <p:spPr/>
+        <p:txBody>
+          <a:bodyPr/>
+          <a:lstStyle/>
+          <a:p>
+            <a:r>
+              <a:rPr lang="en-US" dirty="0" smtClean="0"/>
+              <a:t>User subscription time</a:t>
+            </a:r>
+          </a:p>
+          <a:p>
+            <a:r>
+              <a:rPr lang="en-US" dirty="0" smtClean="0"/>
+              <a:t>User preferred device</a:t>
+            </a:r>
+          </a:p>
+          <a:p>
+            <a:r>
+              <a:rPr lang="en-US" dirty="0" smtClean="0"/>
+              <a:t>User preferred genre: classic, new songs</a:t>
+            </a:r>
+          </a:p>
+          <a:p>
+            <a:r>
+              <a:rPr lang="en-US" dirty="0" smtClean="0"/>
+              <a:t>Gender</a:t>
+            </a:r>
+          </a:p>
+          <a:p>
+            <a:r>
+              <a:rPr lang="en-US" dirty="0" smtClean="0"/>
+              <a:t>User age</a:t>
+            </a:r>
+          </a:p>
+          <a:p>
+            <a:r>
+              <a:rPr lang="mr-IN" dirty="0" smtClean="0"/>
+              <a:t>…</a:t>
+            </a:r>
+            <a:r>
+              <a:rPr lang="en-US" dirty="0" smtClean="0"/>
+              <a:t>.</a:t>
+            </a:r>
+          </a:p>
+          <a:p>
+            <a:endParaRPr lang="en-US" dirty="0"/>
+          </a:p>
+        </p:txBody>
+      </p:sp>
+    </p:spTree>
+    <p:extLst>
+      <p:ext uri="{BB962C8B-B14F-4D97-AF65-F5344CB8AC3E}">
+        <p14:creationId xmlns:p14="http://schemas.microsoft.com/office/powerpoint/2010/main" val="1492250286"/>
+      </p:ext>
+    </p:extLst>
+  </p:cSld>
+  <p:clrMapOvr>
+    <a:masterClrMapping/>
+  </p:clrMapOvr>
+</p:sld>
+</file>
+
+<file path=ppt/slides/slide6.xml><?xml version="1.0" encoding="utf-8"?>
+<p:sld xmlns:a="http://schemas.openxmlformats.org/drawingml/2006/main" xmlns:r="http://schemas.openxmlformats.org/officeDocument/2006/relationships" xmlns:p="http://schemas.openxmlformats.org/presentationml/2006/main">
+  <p:cSld>
+    <p:spTree>
+      <p:nvGrpSpPr>
+        <p:cNvPr id="1" name=""/>
+        <p:cNvGrpSpPr/>
+        <p:nvPr/>
+      </p:nvGrpSpPr>
+      <p:grpSpPr>
+        <a:xfrm>
+          <a:off x="0" y="0"/>
+          <a:ext cx="0" cy="0"/>
+          <a:chOff x="0" y="0"/>
+          <a:chExt cx="0" cy="0"/>
+        </a:xfrm>
+      </p:grpSpPr>
+      <p:sp>
+        <p:nvSpPr>
+          <p:cNvPr id="2" name="Title 1"/>
+          <p:cNvSpPr>
+            <a:spLocks noGrp="1"/>
+          </p:cNvSpPr>
+          <p:nvPr>
+            <p:ph type="title"/>
+          </p:nvPr>
+        </p:nvSpPr>
+        <p:spPr/>
+        <p:txBody>
+          <a:bodyPr/>
+          <a:lstStyle/>
+          <a:p>
+            <a:r>
+              <a:rPr lang="en-US" dirty="0" smtClean="0"/>
+              <a:t>Train model</a:t>
+            </a:r>
+            <a:endParaRPr lang="en-US" dirty="0"/>
+          </a:p>
+        </p:txBody>
+      </p:sp>
+      <p:sp>
+        <p:nvSpPr>
+          <p:cNvPr id="3" name="Content Placeholder 2"/>
+          <p:cNvSpPr>
+            <a:spLocks noGrp="1"/>
+          </p:cNvSpPr>
+          <p:nvPr>
+            <p:ph idx="1"/>
+          </p:nvPr>
+        </p:nvSpPr>
+        <p:spPr/>
+        <p:txBody>
+          <a:bodyPr/>
+          <a:lstStyle/>
+          <a:p>
+            <a:r>
+              <a:rPr lang="en-US" dirty="0" smtClean="0"/>
+              <a:t>Preliminary Model</a:t>
+            </a:r>
+          </a:p>
+          <a:p>
+            <a:pPr lvl="1"/>
+            <a:r>
+              <a:rPr lang="en-US" dirty="0" smtClean="0"/>
+              <a:t>Play * 6 time windows(</a:t>
+            </a:r>
+            <a:r>
+              <a:rPr lang="en-US" dirty="0"/>
+              <a:t>1, 3, 7, 14, 30 ,</a:t>
+            </a:r>
+            <a:r>
+              <a:rPr lang="en-US" dirty="0" smtClean="0"/>
+              <a:t>60)</a:t>
+            </a:r>
+          </a:p>
+          <a:p>
+            <a:r>
+              <a:rPr lang="en-US" dirty="0" smtClean="0"/>
+              <a:t>Method</a:t>
+            </a:r>
+          </a:p>
+          <a:p>
+            <a:pPr lvl="1"/>
+            <a:r>
+              <a:rPr lang="en-US" dirty="0" smtClean="0"/>
+              <a:t>Logistic regression</a:t>
+            </a:r>
+          </a:p>
+          <a:p>
+            <a:pPr lvl="1"/>
+            <a:r>
+              <a:rPr lang="en-US" dirty="0" smtClean="0"/>
+              <a:t>Random Forest</a:t>
+            </a:r>
+          </a:p>
+          <a:p>
+            <a:pPr lvl="1"/>
+            <a:r>
+              <a:rPr lang="en-US" dirty="0" smtClean="0"/>
+              <a:t>GBDT</a:t>
+            </a:r>
+            <a:endParaRPr lang="en-US" dirty="0"/>
+          </a:p>
+        </p:txBody>
+      </p:sp>
+    </p:spTree>
+    <p:extLst>
+      <p:ext uri="{BB962C8B-B14F-4D97-AF65-F5344CB8AC3E}">
+        <p14:creationId xmlns:p14="http://schemas.microsoft.com/office/powerpoint/2010/main" val="1472674219"/>
       </p:ext>
     </p:extLst>
   </p:cSld>

--- a/project_plan.pptx
+++ b/project_plan.pptx
@@ -248,7 +248,7 @@
           <a:p>
             <a:fld id="{0B889ADA-95F0-B64D-9CC1-6563798B4F59}" type="datetimeFigureOut">
               <a:rPr lang="en-US" smtClean="0"/>
-              <a:t>6/30/17</a:t>
+              <a:t>7/7/17</a:t>
             </a:fld>
             <a:endParaRPr lang="en-US"/>
           </a:p>
@@ -418,7 +418,7 @@
           <a:p>
             <a:fld id="{0B889ADA-95F0-B64D-9CC1-6563798B4F59}" type="datetimeFigureOut">
               <a:rPr lang="en-US" smtClean="0"/>
-              <a:t>6/30/17</a:t>
+              <a:t>7/7/17</a:t>
             </a:fld>
             <a:endParaRPr lang="en-US"/>
           </a:p>
@@ -598,7 +598,7 @@
           <a:p>
             <a:fld id="{0B889ADA-95F0-B64D-9CC1-6563798B4F59}" type="datetimeFigureOut">
               <a:rPr lang="en-US" smtClean="0"/>
-              <a:t>6/30/17</a:t>
+              <a:t>7/7/17</a:t>
             </a:fld>
             <a:endParaRPr lang="en-US"/>
           </a:p>
@@ -768,7 +768,7 @@
           <a:p>
             <a:fld id="{0B889ADA-95F0-B64D-9CC1-6563798B4F59}" type="datetimeFigureOut">
               <a:rPr lang="en-US" smtClean="0"/>
-              <a:t>6/30/17</a:t>
+              <a:t>7/7/17</a:t>
             </a:fld>
             <a:endParaRPr lang="en-US"/>
           </a:p>
@@ -1014,7 +1014,7 @@
           <a:p>
             <a:fld id="{0B889ADA-95F0-B64D-9CC1-6563798B4F59}" type="datetimeFigureOut">
               <a:rPr lang="en-US" smtClean="0"/>
-              <a:t>6/30/17</a:t>
+              <a:t>7/7/17</a:t>
             </a:fld>
             <a:endParaRPr lang="en-US"/>
           </a:p>
@@ -1246,7 +1246,7 @@
           <a:p>
             <a:fld id="{0B889ADA-95F0-B64D-9CC1-6563798B4F59}" type="datetimeFigureOut">
               <a:rPr lang="en-US" smtClean="0"/>
-              <a:t>6/30/17</a:t>
+              <a:t>7/7/17</a:t>
             </a:fld>
             <a:endParaRPr lang="en-US"/>
           </a:p>
@@ -1613,7 +1613,7 @@
           <a:p>
             <a:fld id="{0B889ADA-95F0-B64D-9CC1-6563798B4F59}" type="datetimeFigureOut">
               <a:rPr lang="en-US" smtClean="0"/>
-              <a:t>6/30/17</a:t>
+              <a:t>7/7/17</a:t>
             </a:fld>
             <a:endParaRPr lang="en-US"/>
           </a:p>
@@ -1731,7 +1731,7 @@
           <a:p>
             <a:fld id="{0B889ADA-95F0-B64D-9CC1-6563798B4F59}" type="datetimeFigureOut">
               <a:rPr lang="en-US" smtClean="0"/>
-              <a:t>6/30/17</a:t>
+              <a:t>7/7/17</a:t>
             </a:fld>
             <a:endParaRPr lang="en-US"/>
           </a:p>
@@ -1826,7 +1826,7 @@
           <a:p>
             <a:fld id="{0B889ADA-95F0-B64D-9CC1-6563798B4F59}" type="datetimeFigureOut">
               <a:rPr lang="en-US" smtClean="0"/>
-              <a:t>6/30/17</a:t>
+              <a:t>7/7/17</a:t>
             </a:fld>
             <a:endParaRPr lang="en-US"/>
           </a:p>
@@ -2103,7 +2103,7 @@
           <a:p>
             <a:fld id="{0B889ADA-95F0-B64D-9CC1-6563798B4F59}" type="datetimeFigureOut">
               <a:rPr lang="en-US" smtClean="0"/>
-              <a:t>6/30/17</a:t>
+              <a:t>7/7/17</a:t>
             </a:fld>
             <a:endParaRPr lang="en-US"/>
           </a:p>
@@ -2356,7 +2356,7 @@
           <a:p>
             <a:fld id="{0B889ADA-95F0-B64D-9CC1-6563798B4F59}" type="datetimeFigureOut">
               <a:rPr lang="en-US" smtClean="0"/>
-              <a:t>6/30/17</a:t>
+              <a:t>7/7/17</a:t>
             </a:fld>
             <a:endParaRPr lang="en-US"/>
           </a:p>
@@ -2569,7 +2569,7 @@
           <a:p>
             <a:fld id="{0B889ADA-95F0-B64D-9CC1-6563798B4F59}" type="datetimeFigureOut">
               <a:rPr lang="en-US" smtClean="0"/>
-              <a:t>6/30/17</a:t>
+              <a:t>7/7/17</a:t>
             </a:fld>
             <a:endParaRPr lang="en-US"/>
           </a:p>
@@ -3107,8 +3107,17 @@
             <a:pPr lvl="1"/>
             <a:r>
               <a:rPr lang="en-US" dirty="0" smtClean="0"/>
-              <a:t>No activities (play, down, search)</a:t>
-            </a:r>
+              <a:t>No activities (play, down, </a:t>
+            </a:r>
+            <a:r>
+              <a:rPr lang="en-US" smtClean="0"/>
+              <a:t>search</a:t>
+            </a:r>
+            <a:r>
+              <a:rPr lang="en-US" smtClean="0"/>
+              <a:t>) </a:t>
+            </a:r>
+            <a:endParaRPr lang="en-US" dirty="0" smtClean="0"/>
           </a:p>
           <a:p>
             <a:r>
@@ -3288,11 +3297,7 @@
             </a:pPr>
             <a:r>
               <a:rPr lang="en-US" dirty="0" smtClean="0"/>
-              <a:t>Find </a:t>
-            </a:r>
-            <a:r>
-              <a:rPr lang="en-US" dirty="0" smtClean="0"/>
-              <a:t>all active </a:t>
+              <a:t>Find all active </a:t>
             </a:r>
             <a:r>
               <a:rPr lang="en-US" dirty="0"/>

--- a/project_plan.pptx
+++ b/project_plan.pptx
@@ -11,6 +11,7 @@
     <p:sldId id="259" r:id="rId5"/>
     <p:sldId id="260" r:id="rId6"/>
     <p:sldId id="261" r:id="rId7"/>
+    <p:sldId id="262" r:id="rId8"/>
   </p:sldIdLst>
   <p:sldSz cx="12192000" cy="6858000"/>
   <p:notesSz cx="6858000" cy="9144000"/>
@@ -3100,92 +3101,100 @@
             <a:pPr lvl="1"/>
             <a:r>
               <a:rPr lang="en-US" dirty="0" smtClean="0"/>
-              <a:t>14 days (4/29-5/12)</a:t>
+              <a:t>21</a:t>
+            </a:r>
+            <a:r>
+              <a:rPr lang="en-US" dirty="0" smtClean="0"/>
+              <a:t> </a:t>
+            </a:r>
+            <a:r>
+              <a:rPr lang="en-US" dirty="0" smtClean="0"/>
+              <a:t>days (</a:t>
+            </a:r>
+            <a:r>
+              <a:rPr lang="en-US" dirty="0" smtClean="0"/>
+              <a:t>4/22-5/12</a:t>
+            </a:r>
+            <a:r>
+              <a:rPr lang="en-US" dirty="0" smtClean="0"/>
+              <a:t>)</a:t>
             </a:r>
           </a:p>
           <a:p>
             <a:pPr lvl="1"/>
             <a:r>
               <a:rPr lang="en-US" dirty="0" smtClean="0"/>
-              <a:t>No activities (play, down, </a:t>
-            </a:r>
-            <a:r>
-              <a:rPr lang="en-US" smtClean="0"/>
-              <a:t>search</a:t>
-            </a:r>
-            <a:r>
-              <a:rPr lang="en-US" smtClean="0"/>
-              <a:t>) </a:t>
+              <a:t>No activities (play, down, search) </a:t>
+            </a:r>
+          </a:p>
+          <a:p>
+            <a:r>
+              <a:rPr lang="en-US" dirty="0" smtClean="0"/>
+              <a:t>Population</a:t>
+            </a:r>
+          </a:p>
+          <a:p>
+            <a:pPr lvl="1"/>
+            <a:r>
+              <a:rPr lang="en-US" dirty="0" smtClean="0"/>
+              <a:t>Include</a:t>
+            </a:r>
+          </a:p>
+          <a:p>
+            <a:pPr lvl="2"/>
+            <a:r>
+              <a:rPr lang="en-US" dirty="0" smtClean="0"/>
+              <a:t>3/30-4/21 </a:t>
+            </a:r>
+            <a:r>
+              <a:rPr lang="en-US" dirty="0" smtClean="0"/>
+              <a:t>all active users</a:t>
+            </a:r>
+          </a:p>
+          <a:p>
+            <a:pPr lvl="1"/>
+            <a:r>
+              <a:rPr lang="en-US" dirty="0" smtClean="0"/>
+              <a:t>Exclusion</a:t>
+            </a:r>
+          </a:p>
+          <a:p>
+            <a:pPr lvl="2"/>
+            <a:r>
+              <a:rPr lang="en-US" dirty="0" smtClean="0"/>
+              <a:t>Outliers</a:t>
+            </a:r>
+          </a:p>
+          <a:p>
+            <a:pPr lvl="2"/>
+            <a:r>
+              <a:rPr lang="en-US" dirty="0" smtClean="0"/>
+              <a:t>Inactive users (</a:t>
+            </a:r>
+            <a:r>
+              <a:rPr lang="en-US" dirty="0" smtClean="0"/>
+              <a:t>3/30-4/21)</a:t>
             </a:r>
             <a:endParaRPr lang="en-US" dirty="0" smtClean="0"/>
           </a:p>
           <a:p>
-            <a:r>
-              <a:rPr lang="en-US" dirty="0" smtClean="0"/>
-              <a:t>Population</a:t>
-            </a:r>
-          </a:p>
-          <a:p>
             <a:pPr lvl="1"/>
             <a:r>
               <a:rPr lang="en-US" dirty="0" smtClean="0"/>
-              <a:t>Include</a:t>
+              <a:t>Enrich train data</a:t>
             </a:r>
           </a:p>
           <a:p>
             <a:pPr lvl="2"/>
             <a:r>
               <a:rPr lang="en-US" dirty="0" smtClean="0"/>
-              <a:t>3/1-4/28 all active users</a:t>
-            </a:r>
-          </a:p>
-          <a:p>
-            <a:pPr lvl="1"/>
-            <a:r>
-              <a:rPr lang="en-US" dirty="0" smtClean="0"/>
-              <a:t>Exclusion</a:t>
+              <a:t>Sliding window snapshot</a:t>
             </a:r>
           </a:p>
           <a:p>
             <a:pPr lvl="2"/>
             <a:r>
               <a:rPr lang="en-US" dirty="0" smtClean="0"/>
-              <a:t>Outliers</a:t>
-            </a:r>
-          </a:p>
-          <a:p>
-            <a:pPr lvl="2"/>
-            <a:r>
-              <a:rPr lang="en-US" dirty="0" smtClean="0"/>
-              <a:t>Inactive users (</a:t>
-            </a:r>
-            <a:r>
-              <a:rPr lang="en-US" dirty="0"/>
-              <a:t>3/1-4/28</a:t>
-            </a:r>
-            <a:r>
-              <a:rPr lang="en-US" dirty="0" smtClean="0"/>
-              <a:t>)</a:t>
-            </a:r>
-          </a:p>
-          <a:p>
-            <a:pPr lvl="1"/>
-            <a:r>
-              <a:rPr lang="en-US" dirty="0" smtClean="0"/>
-              <a:t>Enrich train data</a:t>
-            </a:r>
-          </a:p>
-          <a:p>
-            <a:pPr lvl="2"/>
-            <a:r>
-              <a:rPr lang="en-US" dirty="0" smtClean="0"/>
-              <a:t>Sliding window snapshot</a:t>
-            </a:r>
-          </a:p>
-          <a:p>
-            <a:pPr lvl="2"/>
-            <a:r>
-              <a:rPr lang="en-US" dirty="0" smtClean="0"/>
               <a:t>Snapshot date</a:t>
             </a:r>
           </a:p>
@@ -3193,7 +3202,15 @@
             <a:pPr lvl="3"/>
             <a:r>
               <a:rPr lang="en-US" dirty="0" smtClean="0"/>
-              <a:t>14 days after: define label</a:t>
+              <a:t>21</a:t>
+            </a:r>
+            <a:r>
+              <a:rPr lang="en-US" dirty="0" smtClean="0"/>
+              <a:t> </a:t>
+            </a:r>
+            <a:r>
+              <a:rPr lang="en-US" dirty="0" smtClean="0"/>
+              <a:t>days after: define label</a:t>
             </a:r>
           </a:p>
           <a:p>
@@ -3305,7 +3322,11 @@
             </a:r>
             <a:r>
               <a:rPr lang="en-US" dirty="0" smtClean="0"/>
-              <a:t>3/1-4/28 (</a:t>
+              <a:t>3/30-4/21 </a:t>
+            </a:r>
+            <a:r>
+              <a:rPr lang="en-US" dirty="0" smtClean="0"/>
+              <a:t>(</a:t>
             </a:r>
             <a:r>
               <a:rPr lang="en-US" dirty="0" err="1" smtClean="0"/>
@@ -3404,7 +3425,7 @@
             </a:r>
             <a:r>
               <a:rPr lang="en-US" dirty="0" smtClean="0"/>
-              <a:t>4/29-5/12 </a:t>
+              <a:t>4/22-5/12 </a:t>
             </a:r>
             <a:r>
               <a:rPr lang="en-US" dirty="0"/>
@@ -3480,8 +3501,9 @@
             </a:r>
             <a:r>
               <a:rPr lang="en-US" dirty="0" smtClean="0"/>
-              <a:t>set</a:t>
-            </a:r>
+              <a:t>set (e.g. python set)</a:t>
+            </a:r>
+            <a:endParaRPr lang="en-US" dirty="0" smtClean="0"/>
           </a:p>
           <a:p>
             <a:pPr lvl="1">
@@ -3489,8 +3511,28 @@
               <a:buChar char="•"/>
             </a:pPr>
             <a:r>
-              <a:rPr lang="en-US" dirty="0" smtClean="0"/>
-              <a:t>Read file line by line, look up set</a:t>
+              <a:rPr lang="en-US" dirty="0" smtClean="0">
+                <a:solidFill>
+                  <a:srgbClr val="FF0000"/>
+                </a:solidFill>
+              </a:rPr>
+              <a:t>Read file line by </a:t>
+            </a:r>
+            <a:r>
+              <a:rPr lang="en-US" dirty="0" smtClean="0">
+                <a:solidFill>
+                  <a:srgbClr val="FF0000"/>
+                </a:solidFill>
+              </a:rPr>
+              <a:t>line (e.g. python open file)</a:t>
+            </a:r>
+            <a:r>
+              <a:rPr lang="en-US" dirty="0" smtClean="0"/>
+              <a:t>, </a:t>
+            </a:r>
+            <a:r>
+              <a:rPr lang="en-US" dirty="0" smtClean="0"/>
+              <a:t>look up set</a:t>
             </a:r>
           </a:p>
           <a:p>
@@ -3568,15 +3610,27 @@
             </a:r>
             <a:r>
               <a:rPr lang="en-US" dirty="0" smtClean="0"/>
-              <a:t> (good users), keep good </a:t>
-            </a:r>
-            <a:r>
-              <a:rPr lang="en-US" dirty="0" err="1" smtClean="0"/>
-              <a:t>uid</a:t>
-            </a:r>
-            <a:r>
-              <a:rPr lang="en-US" dirty="0" smtClean="0"/>
-              <a:t> hash, look up for every row, in set keep.</a:t>
+              <a:t> </a:t>
+            </a:r>
+            <a:r>
+              <a:rPr lang="en-US" dirty="0" smtClean="0"/>
+              <a:t>(</a:t>
+            </a:r>
+            <a:r>
+              <a:rPr lang="en-US" dirty="0" smtClean="0">
+                <a:solidFill>
+                  <a:srgbClr val="FF0000"/>
+                </a:solidFill>
+              </a:rPr>
+              <a:t>both good and churn users</a:t>
+            </a:r>
+            <a:r>
+              <a:rPr lang="en-US" dirty="0" smtClean="0"/>
+              <a:t>), </a:t>
+            </a:r>
+            <a:r>
+              <a:rPr lang="en-US" dirty="0" smtClean="0"/>
+              <a:t>look up for every row, in set keep.</a:t>
             </a:r>
           </a:p>
           <a:p>
@@ -4064,6 +4118,138 @@
     <p:extLst>
       <p:ext uri="{BB962C8B-B14F-4D97-AF65-F5344CB8AC3E}">
         <p14:creationId xmlns:p14="http://schemas.microsoft.com/office/powerpoint/2010/main" val="1472674219"/>
+      </p:ext>
+    </p:extLst>
+  </p:cSld>
+  <p:clrMapOvr>
+    <a:masterClrMapping/>
+  </p:clrMapOvr>
+</p:sld>
+</file>
+
+<file path=ppt/slides/slide7.xml><?xml version="1.0" encoding="utf-8"?>
+<p:sld xmlns:a="http://schemas.openxmlformats.org/drawingml/2006/main" xmlns:r="http://schemas.openxmlformats.org/officeDocument/2006/relationships" xmlns:p="http://schemas.openxmlformats.org/presentationml/2006/main">
+  <p:cSld>
+    <p:spTree>
+      <p:nvGrpSpPr>
+        <p:cNvPr id="1" name=""/>
+        <p:cNvGrpSpPr/>
+        <p:nvPr/>
+      </p:nvGrpSpPr>
+      <p:grpSpPr>
+        <a:xfrm>
+          <a:off x="0" y="0"/>
+          <a:ext cx="0" cy="0"/>
+          <a:chOff x="0" y="0"/>
+          <a:chExt cx="0" cy="0"/>
+        </a:xfrm>
+      </p:grpSpPr>
+      <p:sp>
+        <p:nvSpPr>
+          <p:cNvPr id="2" name="Title 1"/>
+          <p:cNvSpPr>
+            <a:spLocks noGrp="1"/>
+          </p:cNvSpPr>
+          <p:nvPr>
+            <p:ph type="title"/>
+          </p:nvPr>
+        </p:nvSpPr>
+        <p:spPr/>
+        <p:txBody>
+          <a:bodyPr/>
+          <a:lstStyle/>
+          <a:p>
+            <a:r>
+              <a:rPr lang="en-US" dirty="0" smtClean="0"/>
+              <a:t>Discussion Update (7/07/2017)</a:t>
+            </a:r>
+            <a:endParaRPr lang="en-US" dirty="0"/>
+          </a:p>
+        </p:txBody>
+      </p:sp>
+      <p:sp>
+        <p:nvSpPr>
+          <p:cNvPr id="3" name="Content Placeholder 2"/>
+          <p:cNvSpPr>
+            <a:spLocks noGrp="1"/>
+          </p:cNvSpPr>
+          <p:nvPr>
+            <p:ph idx="1"/>
+          </p:nvPr>
+        </p:nvSpPr>
+        <p:spPr/>
+        <p:txBody>
+          <a:bodyPr/>
+          <a:lstStyle/>
+          <a:p>
+            <a:r>
+              <a:rPr lang="en-US" dirty="0" smtClean="0"/>
+              <a:t>Label Period</a:t>
+            </a:r>
+          </a:p>
+          <a:p>
+            <a:pPr lvl="1"/>
+            <a:r>
+              <a:rPr lang="en-US" dirty="0" smtClean="0"/>
+              <a:t>4/22-5/12</a:t>
+            </a:r>
+          </a:p>
+          <a:p>
+            <a:r>
+              <a:rPr lang="en-US" dirty="0" smtClean="0"/>
+              <a:t>Training Period</a:t>
+            </a:r>
+          </a:p>
+          <a:p>
+            <a:pPr lvl="1"/>
+            <a:r>
+              <a:rPr lang="en-US" dirty="0" smtClean="0"/>
+              <a:t>3/30-4/21</a:t>
+            </a:r>
+          </a:p>
+          <a:p>
+            <a:r>
+              <a:rPr lang="en-US" dirty="0" smtClean="0"/>
+              <a:t>Population</a:t>
+            </a:r>
+          </a:p>
+          <a:p>
+            <a:pPr lvl="1"/>
+            <a:r>
+              <a:rPr lang="en-US" dirty="0" smtClean="0"/>
+              <a:t>Exclude non-active users</a:t>
+            </a:r>
+          </a:p>
+          <a:p>
+            <a:pPr lvl="2"/>
+            <a:r>
+              <a:rPr lang="en-US" dirty="0" smtClean="0"/>
+              <a:t>Excluding users with number of plays in the training period=3 (excluding 3)</a:t>
+            </a:r>
+          </a:p>
+          <a:p>
+            <a:r>
+              <a:rPr lang="en-US" dirty="0" err="1" smtClean="0"/>
+              <a:t>Downsampling</a:t>
+            </a:r>
+            <a:endParaRPr lang="en-US" dirty="0" smtClean="0"/>
+          </a:p>
+          <a:p>
+            <a:pPr lvl="1"/>
+            <a:r>
+              <a:rPr lang="en-US" dirty="0" smtClean="0"/>
+              <a:t>Down sample both churn and good user</a:t>
+            </a:r>
+          </a:p>
+          <a:p>
+            <a:endParaRPr lang="en-US" dirty="0"/>
+          </a:p>
+        </p:txBody>
+      </p:sp>
+    </p:spTree>
+    <p:extLst>
+      <p:ext uri="{BB962C8B-B14F-4D97-AF65-F5344CB8AC3E}">
+        <p14:creationId xmlns:p14="http://schemas.microsoft.com/office/powerpoint/2010/main" val="1421263888"/>
       </p:ext>
     </p:extLst>
   </p:cSld>
